--- a/Qualcomm Meeting @Feb12.pptx
+++ b/Qualcomm Meeting @Feb12.pptx
@@ -118,17 +118,45 @@
       </a:defRPr>
     </a:lvl9pPr>
   </p:defaultTextStyle>
+  <p:extLst>
+    <p:ext uri="{EFAFB233-063F-42B5-8137-9DF3F51BA10A}">
+      <p15:sldGuideLst xmlns:p15="http://schemas.microsoft.com/office/powerpoint/2012/main">
+        <p15:guide id="1" orient="horz" pos="2160">
+          <p15:clr>
+            <a:srgbClr val="A4A3A4"/>
+          </p15:clr>
+        </p15:guide>
+        <p15:guide id="2" pos="2880">
+          <p15:clr>
+            <a:srgbClr val="A4A3A4"/>
+          </p15:clr>
+        </p15:guide>
+      </p15:sldGuideLst>
+    </p:ext>
+  </p:extLst>
 </p:presentation>
 </file>
 
 <file path=ppt/charts/chart1.xml><?xml version="1.0" encoding="utf-8"?>
 <c:chartSpace xmlns:c="http://schemas.openxmlformats.org/drawingml/2006/chart" xmlns:a="http://schemas.openxmlformats.org/drawingml/2006/main" xmlns:r="http://schemas.openxmlformats.org/officeDocument/2006/relationships">
-  <c:lang val="en-US"/>
+  <c:date1904 val="0"/>
+  <c:lang val="zh-CN"/>
+  <c:roundedCorners val="0"/>
+  <mc:AlternateContent xmlns:mc="http://schemas.openxmlformats.org/markup-compatibility/2006">
+    <mc:Choice xmlns:c14="http://schemas.microsoft.com/office/drawing/2007/8/2/chart" Requires="c14">
+      <c14:style val="102"/>
+    </mc:Choice>
+    <mc:Fallback>
+      <c:style val="2"/>
+    </mc:Fallback>
+  </mc:AlternateContent>
   <c:chart>
+    <c:autoTitleDeleted val="0"/>
     <c:plotArea>
       <c:layout/>
       <c:lineChart>
         <c:grouping val="stacked"/>
+        <c:varyColors val="0"/>
         <c:ser>
           <c:idx val="0"/>
           <c:order val="0"/>
@@ -230,49 +258,80 @@
               </c:numCache>
             </c:numRef>
           </c:val>
+          <c:smooth val="0"/>
         </c:ser>
+        <c:dLbls>
+          <c:showLegendKey val="0"/>
+          <c:showVal val="0"/>
+          <c:showCatName val="0"/>
+          <c:showSerName val="0"/>
+          <c:showPercent val="0"/>
+          <c:showBubbleSize val="0"/>
+        </c:dLbls>
         <c:marker val="1"/>
-        <c:axId val="71302144"/>
-        <c:axId val="74734592"/>
+        <c:smooth val="0"/>
+        <c:axId val="188055408"/>
+        <c:axId val="188051488"/>
       </c:lineChart>
       <c:catAx>
-        <c:axId val="71302144"/>
+        <c:axId val="188055408"/>
         <c:scaling>
           <c:orientation val="minMax"/>
         </c:scaling>
         <c:delete val="1"/>
         <c:axPos val="b"/>
+        <c:majorTickMark val="out"/>
+        <c:minorTickMark val="none"/>
         <c:tickLblPos val="none"/>
-        <c:crossAx val="74734592"/>
+        <c:crossAx val="188051488"/>
         <c:crosses val="autoZero"/>
         <c:auto val="1"/>
         <c:lblAlgn val="ctr"/>
         <c:lblOffset val="100"/>
+        <c:noMultiLvlLbl val="0"/>
       </c:catAx>
       <c:valAx>
-        <c:axId val="74734592"/>
+        <c:axId val="188051488"/>
         <c:scaling>
           <c:orientation val="minMax"/>
         </c:scaling>
+        <c:delete val="0"/>
         <c:axPos val="l"/>
         <c:majorGridlines/>
         <c:numFmt formatCode="General" sourceLinked="1"/>
+        <c:majorTickMark val="out"/>
+        <c:minorTickMark val="none"/>
         <c:tickLblPos val="nextTo"/>
-        <c:crossAx val="71302144"/>
+        <c:crossAx val="188055408"/>
         <c:crosses val="autoZero"/>
         <c:crossBetween val="between"/>
       </c:valAx>
     </c:plotArea>
     <c:plotVisOnly val="1"/>
+    <c:dispBlanksAs val="zero"/>
+    <c:showDLblsOverMax val="0"/>
   </c:chart>
-  <c:externalData r:id="rId1"/>
+  <c:externalData r:id="rId1">
+    <c:autoUpdate val="0"/>
+  </c:externalData>
 </c:chartSpace>
 </file>
 
 <file path=ppt/charts/chart2.xml><?xml version="1.0" encoding="utf-8"?>
 <c:chartSpace xmlns:c="http://schemas.openxmlformats.org/drawingml/2006/chart" xmlns:a="http://schemas.openxmlformats.org/drawingml/2006/main" xmlns:r="http://schemas.openxmlformats.org/officeDocument/2006/relationships">
-  <c:lang val="en-US"/>
+  <c:date1904 val="0"/>
+  <c:lang val="zh-CN"/>
+  <c:roundedCorners val="0"/>
+  <mc:AlternateContent xmlns:mc="http://schemas.openxmlformats.org/markup-compatibility/2006">
+    <mc:Choice xmlns:c14="http://schemas.microsoft.com/office/drawing/2007/8/2/chart" Requires="c14">
+      <c14:style val="102"/>
+    </mc:Choice>
+    <mc:Fallback>
+      <c:style val="2"/>
+    </mc:Fallback>
+  </mc:AlternateContent>
   <c:chart>
+    <c:autoTitleDeleted val="0"/>
     <c:plotArea>
       <c:layout>
         <c:manualLayout>
@@ -287,6 +346,7 @@
       </c:layout>
       <c:lineChart>
         <c:grouping val="standard"/>
+        <c:varyColors val="0"/>
         <c:ser>
           <c:idx val="0"/>
           <c:order val="0"/>
@@ -391,49 +451,80 @@
               </c:numCache>
             </c:numRef>
           </c:val>
+          <c:smooth val="0"/>
         </c:ser>
+        <c:dLbls>
+          <c:showLegendKey val="0"/>
+          <c:showVal val="0"/>
+          <c:showCatName val="0"/>
+          <c:showSerName val="0"/>
+          <c:showPercent val="0"/>
+          <c:showBubbleSize val="0"/>
+        </c:dLbls>
         <c:marker val="1"/>
-        <c:axId val="3123456"/>
-        <c:axId val="41156608"/>
+        <c:smooth val="0"/>
+        <c:axId val="188059328"/>
+        <c:axId val="327377472"/>
       </c:lineChart>
       <c:catAx>
-        <c:axId val="3123456"/>
+        <c:axId val="188059328"/>
         <c:scaling>
           <c:orientation val="minMax"/>
         </c:scaling>
         <c:delete val="1"/>
         <c:axPos val="b"/>
+        <c:majorTickMark val="out"/>
+        <c:minorTickMark val="none"/>
         <c:tickLblPos val="none"/>
-        <c:crossAx val="41156608"/>
+        <c:crossAx val="327377472"/>
         <c:crosses val="autoZero"/>
         <c:auto val="1"/>
         <c:lblAlgn val="ctr"/>
         <c:lblOffset val="100"/>
+        <c:noMultiLvlLbl val="0"/>
       </c:catAx>
       <c:valAx>
-        <c:axId val="41156608"/>
+        <c:axId val="327377472"/>
         <c:scaling>
           <c:orientation val="minMax"/>
         </c:scaling>
+        <c:delete val="0"/>
         <c:axPos val="l"/>
         <c:majorGridlines/>
         <c:numFmt formatCode="General" sourceLinked="1"/>
+        <c:majorTickMark val="out"/>
+        <c:minorTickMark val="none"/>
         <c:tickLblPos val="nextTo"/>
-        <c:crossAx val="3123456"/>
+        <c:crossAx val="188059328"/>
         <c:crosses val="autoZero"/>
         <c:crossBetween val="between"/>
       </c:valAx>
     </c:plotArea>
     <c:plotVisOnly val="1"/>
+    <c:dispBlanksAs val="gap"/>
+    <c:showDLblsOverMax val="0"/>
   </c:chart>
-  <c:externalData r:id="rId1"/>
+  <c:externalData r:id="rId1">
+    <c:autoUpdate val="0"/>
+  </c:externalData>
 </c:chartSpace>
 </file>
 
 <file path=ppt/charts/chart3.xml><?xml version="1.0" encoding="utf-8"?>
 <c:chartSpace xmlns:c="http://schemas.openxmlformats.org/drawingml/2006/chart" xmlns:a="http://schemas.openxmlformats.org/drawingml/2006/main" xmlns:r="http://schemas.openxmlformats.org/officeDocument/2006/relationships">
-  <c:lang val="en-US"/>
+  <c:date1904 val="0"/>
+  <c:lang val="zh-CN"/>
+  <c:roundedCorners val="0"/>
+  <mc:AlternateContent xmlns:mc="http://schemas.openxmlformats.org/markup-compatibility/2006">
+    <mc:Choice xmlns:c14="http://schemas.microsoft.com/office/drawing/2007/8/2/chart" Requires="c14">
+      <c14:style val="102"/>
+    </mc:Choice>
+    <mc:Fallback>
+      <c:style val="2"/>
+    </mc:Fallback>
+  </mc:AlternateContent>
   <c:chart>
+    <c:autoTitleDeleted val="0"/>
     <c:plotArea>
       <c:layout>
         <c:manualLayout>
@@ -448,6 +539,7 @@
       </c:layout>
       <c:lineChart>
         <c:grouping val="standard"/>
+        <c:varyColors val="0"/>
         <c:ser>
           <c:idx val="0"/>
           <c:order val="0"/>
@@ -546,42 +638,62 @@
               </c:numCache>
             </c:numRef>
           </c:val>
+          <c:smooth val="0"/>
         </c:ser>
+        <c:dLbls>
+          <c:showLegendKey val="0"/>
+          <c:showVal val="0"/>
+          <c:showCatName val="0"/>
+          <c:showSerName val="0"/>
+          <c:showPercent val="0"/>
+          <c:showBubbleSize val="0"/>
+        </c:dLbls>
         <c:marker val="1"/>
-        <c:axId val="41192448"/>
-        <c:axId val="52384512"/>
+        <c:smooth val="0"/>
+        <c:axId val="327378032"/>
+        <c:axId val="194788576"/>
       </c:lineChart>
       <c:catAx>
-        <c:axId val="41192448"/>
+        <c:axId val="327378032"/>
         <c:scaling>
           <c:orientation val="minMax"/>
         </c:scaling>
         <c:delete val="1"/>
         <c:axPos val="b"/>
+        <c:majorTickMark val="out"/>
+        <c:minorTickMark val="none"/>
         <c:tickLblPos val="none"/>
-        <c:crossAx val="52384512"/>
+        <c:crossAx val="194788576"/>
         <c:crosses val="autoZero"/>
         <c:auto val="1"/>
         <c:lblAlgn val="ctr"/>
         <c:lblOffset val="100"/>
+        <c:noMultiLvlLbl val="0"/>
       </c:catAx>
       <c:valAx>
-        <c:axId val="52384512"/>
+        <c:axId val="194788576"/>
         <c:scaling>
           <c:orientation val="minMax"/>
         </c:scaling>
+        <c:delete val="0"/>
         <c:axPos val="l"/>
         <c:majorGridlines/>
         <c:numFmt formatCode="General" sourceLinked="1"/>
+        <c:majorTickMark val="out"/>
+        <c:minorTickMark val="none"/>
         <c:tickLblPos val="nextTo"/>
-        <c:crossAx val="41192448"/>
+        <c:crossAx val="327378032"/>
         <c:crosses val="autoZero"/>
         <c:crossBetween val="between"/>
       </c:valAx>
     </c:plotArea>
     <c:plotVisOnly val="1"/>
+    <c:dispBlanksAs val="gap"/>
+    <c:showDLblsOverMax val="0"/>
   </c:chart>
-  <c:externalData r:id="rId1"/>
+  <c:externalData r:id="rId1">
+    <c:autoUpdate val="0"/>
+  </c:externalData>
 </c:chartSpace>
 </file>
 
@@ -668,7 +780,7 @@
             <a:fld id="{16511FD2-B5E4-4FB9-9299-2247E194C048}" type="datetimeFigureOut">
               <a:rPr lang="en-US" smtClean="0"/>
               <a:pPr/>
-              <a:t>2/11/2014</a:t>
+              <a:t>10/29/2014</a:t>
             </a:fld>
             <a:endParaRPr lang="en-US"/>
           </a:p>
@@ -837,6 +949,11 @@
         </p:txBody>
       </p:sp>
     </p:spTree>
+    <p:extLst>
+      <p:ext uri="{BB962C8B-B14F-4D97-AF65-F5344CB8AC3E}">
+        <p14:creationId xmlns:p14="http://schemas.microsoft.com/office/powerpoint/2010/main" val="2851359733"/>
+      </p:ext>
+    </p:extLst>
   </p:cSld>
   <p:clrMap bg1="lt1" tx1="dk1" bg2="lt2" tx2="dk2" accent1="accent1" accent2="accent2" accent3="accent3" accent4="accent4" accent5="accent5" accent6="accent6" hlink="hlink" folHlink="folHlink"/>
   <p:notesStyle>
@@ -1009,6 +1126,11 @@
         </p:txBody>
       </p:sp>
     </p:spTree>
+    <p:extLst>
+      <p:ext uri="{BB962C8B-B14F-4D97-AF65-F5344CB8AC3E}">
+        <p14:creationId xmlns:p14="http://schemas.microsoft.com/office/powerpoint/2010/main" val="4214222380"/>
+      </p:ext>
+    </p:extLst>
   </p:cSld>
   <p:clrMapOvr>
     <a:masterClrMapping/>
@@ -1091,6 +1213,11 @@
         </p:txBody>
       </p:sp>
     </p:spTree>
+    <p:extLst>
+      <p:ext uri="{BB962C8B-B14F-4D97-AF65-F5344CB8AC3E}">
+        <p14:creationId xmlns:p14="http://schemas.microsoft.com/office/powerpoint/2010/main" val="1391371394"/>
+      </p:ext>
+    </p:extLst>
   </p:cSld>
   <p:clrMapOvr>
     <a:masterClrMapping/>
@@ -1173,6 +1300,11 @@
         </p:txBody>
       </p:sp>
     </p:spTree>
+    <p:extLst>
+      <p:ext uri="{BB962C8B-B14F-4D97-AF65-F5344CB8AC3E}">
+        <p14:creationId xmlns:p14="http://schemas.microsoft.com/office/powerpoint/2010/main" val="3676664085"/>
+      </p:ext>
+    </p:extLst>
   </p:cSld>
   <p:clrMapOvr>
     <a:masterClrMapping/>
@@ -1234,6 +1366,11 @@
         </p:txBody>
       </p:sp>
     </p:spTree>
+    <p:extLst>
+      <p:ext uri="{BB962C8B-B14F-4D97-AF65-F5344CB8AC3E}">
+        <p14:creationId xmlns:p14="http://schemas.microsoft.com/office/powerpoint/2010/main" val="82829997"/>
+      </p:ext>
+    </p:extLst>
   </p:cSld>
   <p:clrMapOvr>
     <a:masterClrMapping/>
@@ -1423,7 +1560,7 @@
             <a:fld id="{1F279766-D161-4725-A890-D27C9B2DDF2D}" type="datetime1">
               <a:rPr lang="en-US" smtClean="0"/>
               <a:pPr/>
-              <a:t>2/11/2014</a:t>
+              <a:t>10/29/2014</a:t>
             </a:fld>
             <a:endParaRPr lang="en-US"/>
           </a:p>
@@ -1590,7 +1727,7 @@
             <a:fld id="{EE5A9DB8-70BC-4B1F-BD13-24E5501AB31B}" type="datetime1">
               <a:rPr lang="en-US" smtClean="0"/>
               <a:pPr/>
-              <a:t>2/11/2014</a:t>
+              <a:t>10/29/2014</a:t>
             </a:fld>
             <a:endParaRPr lang="en-US"/>
           </a:p>
@@ -1767,7 +1904,7 @@
             <a:fld id="{7EFCCB73-FE67-434C-83AD-2BA816340EF0}" type="datetime1">
               <a:rPr lang="en-US" smtClean="0"/>
               <a:pPr/>
-              <a:t>2/11/2014</a:t>
+              <a:t>10/29/2014</a:t>
             </a:fld>
             <a:endParaRPr lang="en-US"/>
           </a:p>
@@ -1934,7 +2071,7 @@
             <a:fld id="{89A0E409-3A66-4284-9D0C-8B3AB67E3BB0}" type="datetime1">
               <a:rPr lang="en-US" smtClean="0"/>
               <a:pPr/>
-              <a:t>2/11/2014</a:t>
+              <a:t>10/29/2014</a:t>
             </a:fld>
             <a:endParaRPr lang="en-US"/>
           </a:p>
@@ -2177,7 +2314,7 @@
             <a:fld id="{0943579F-79D3-4994-A130-BD778BC37F0A}" type="datetime1">
               <a:rPr lang="en-US" smtClean="0"/>
               <a:pPr/>
-              <a:t>2/11/2014</a:t>
+              <a:t>10/29/2014</a:t>
             </a:fld>
             <a:endParaRPr lang="en-US"/>
           </a:p>
@@ -2462,7 +2599,7 @@
             <a:fld id="{17712308-202C-4C66-A1E2-BD78FABFA4F5}" type="datetime1">
               <a:rPr lang="en-US" smtClean="0"/>
               <a:pPr/>
-              <a:t>2/11/2014</a:t>
+              <a:t>10/29/2014</a:t>
             </a:fld>
             <a:endParaRPr lang="en-US"/>
           </a:p>
@@ -2881,7 +3018,7 @@
             <a:fld id="{5C98E245-EC64-403F-822B-007DAB76E69B}" type="datetime1">
               <a:rPr lang="en-US" smtClean="0"/>
               <a:pPr/>
-              <a:t>2/11/2014</a:t>
+              <a:t>10/29/2014</a:t>
             </a:fld>
             <a:endParaRPr lang="en-US"/>
           </a:p>
@@ -2996,7 +3133,7 @@
             <a:fld id="{3643E6B1-F834-40D2-BB95-C18388B3B329}" type="datetime1">
               <a:rPr lang="en-US" smtClean="0"/>
               <a:pPr/>
-              <a:t>2/11/2014</a:t>
+              <a:t>10/29/2014</a:t>
             </a:fld>
             <a:endParaRPr lang="en-US"/>
           </a:p>
@@ -3088,7 +3225,7 @@
             <a:fld id="{2DFC1237-9910-42E0-B8EA-EAF27BAE60E2}" type="datetime1">
               <a:rPr lang="en-US" smtClean="0"/>
               <a:pPr/>
-              <a:t>2/11/2014</a:t>
+              <a:t>10/29/2014</a:t>
             </a:fld>
             <a:endParaRPr lang="en-US"/>
           </a:p>
@@ -3362,7 +3499,7 @@
             <a:fld id="{D83AF0C1-16DF-4CA9-B635-D4565B3B9294}" type="datetime1">
               <a:rPr lang="en-US" smtClean="0"/>
               <a:pPr/>
-              <a:t>2/11/2014</a:t>
+              <a:t>10/29/2014</a:t>
             </a:fld>
             <a:endParaRPr lang="en-US"/>
           </a:p>
@@ -3612,7 +3749,7 @@
             <a:fld id="{4997D9B7-64E4-4BDE-8A8E-CEA3B530DD69}" type="datetime1">
               <a:rPr lang="en-US" smtClean="0"/>
               <a:pPr/>
-              <a:t>2/11/2014</a:t>
+              <a:t>10/29/2014</a:t>
             </a:fld>
             <a:endParaRPr lang="en-US"/>
           </a:p>
@@ -3822,7 +3959,7 @@
             <a:fld id="{24A14E77-692E-4AA7-9986-5963F673E518}" type="datetime1">
               <a:rPr lang="en-US" smtClean="0"/>
               <a:pPr/>
-              <a:t>2/11/2014</a:t>
+              <a:t>10/29/2014</a:t>
             </a:fld>
             <a:endParaRPr lang="en-US"/>
           </a:p>
@@ -4660,9 +4797,59 @@
         </p:xfrm>
         <a:graphic>
           <a:graphicData uri="http://schemas.openxmlformats.org/presentationml/2006/ole">
-            <p:oleObj spid="_x0000_s36866" name="Equation" r:id="rId3" imgW="3695400" imgH="266400" progId="Equation.DSMT4">
-              <p:embed/>
-            </p:oleObj>
+            <mc:AlternateContent xmlns:mc="http://schemas.openxmlformats.org/markup-compatibility/2006">
+              <mc:Choice xmlns:v="urn:schemas-microsoft-com:vml" Requires="v">
+                <p:oleObj spid="_x0000_s36876" name="Equation" r:id="rId3" imgW="3695400" imgH="266400" progId="Equation.DSMT4">
+                  <p:embed/>
+                </p:oleObj>
+              </mc:Choice>
+              <mc:Fallback>
+                <p:oleObj name="Equation" r:id="rId3" imgW="3695400" imgH="266400" progId="Equation.DSMT4">
+                  <p:embed/>
+                  <p:pic>
+                    <p:nvPicPr>
+                      <p:cNvPr id="0" name="Picture 2"/>
+                      <p:cNvPicPr>
+                        <a:picLocks noChangeAspect="1" noChangeArrowheads="1"/>
+                      </p:cNvPicPr>
+                      <p:nvPr/>
+                    </p:nvPicPr>
+                    <p:blipFill>
+                      <a:blip r:embed="rId4">
+                        <a:extLst>
+                          <a:ext uri="{28A0092B-C50C-407E-A947-70E740481C1C}">
+                            <a14:useLocalDpi xmlns:a14="http://schemas.microsoft.com/office/drawing/2010/main" val="0"/>
+                          </a:ext>
+                        </a:extLst>
+                      </a:blip>
+                      <a:srcRect/>
+                      <a:stretch>
+                        <a:fillRect/>
+                      </a:stretch>
+                    </p:blipFill>
+                    <p:spPr bwMode="auto">
+                      <a:xfrm>
+                        <a:off x="1752600" y="2514600"/>
+                        <a:ext cx="6229350" cy="450850"/>
+                      </a:xfrm>
+                      <a:prstGeom prst="rect">
+                        <a:avLst/>
+                      </a:prstGeom>
+                      <a:noFill/>
+                      <a:extLst>
+                        <a:ext uri="{909E8E84-426E-40DD-AFC4-6F175D3DCCD1}">
+                          <a14:hiddenFill xmlns:a14="http://schemas.microsoft.com/office/drawing/2010/main">
+                            <a:solidFill>
+                              <a:srgbClr val="FFFFFF"/>
+                            </a:solidFill>
+                          </a14:hiddenFill>
+                        </a:ext>
+                      </a:extLst>
+                    </p:spPr>
+                  </p:pic>
+                </p:oleObj>
+              </mc:Fallback>
+            </mc:AlternateContent>
           </a:graphicData>
         </a:graphic>
       </p:graphicFrame>
@@ -4680,9 +4867,59 @@
         </p:xfrm>
         <a:graphic>
           <a:graphicData uri="http://schemas.openxmlformats.org/presentationml/2006/ole">
-            <p:oleObj spid="_x0000_s36867" name="Equation" r:id="rId4" imgW="4457520" imgH="533160" progId="Equation.DSMT4">
-              <p:embed/>
-            </p:oleObj>
+            <mc:AlternateContent xmlns:mc="http://schemas.openxmlformats.org/markup-compatibility/2006">
+              <mc:Choice xmlns:v="urn:schemas-microsoft-com:vml" Requires="v">
+                <p:oleObj spid="_x0000_s36877" name="Equation" r:id="rId5" imgW="4457520" imgH="533160" progId="Equation.DSMT4">
+                  <p:embed/>
+                </p:oleObj>
+              </mc:Choice>
+              <mc:Fallback>
+                <p:oleObj name="Equation" r:id="rId5" imgW="4457520" imgH="533160" progId="Equation.DSMT4">
+                  <p:embed/>
+                  <p:pic>
+                    <p:nvPicPr>
+                      <p:cNvPr id="0" name="Picture 3"/>
+                      <p:cNvPicPr>
+                        <a:picLocks noChangeAspect="1" noChangeArrowheads="1"/>
+                      </p:cNvPicPr>
+                      <p:nvPr/>
+                    </p:nvPicPr>
+                    <p:blipFill>
+                      <a:blip r:embed="rId6">
+                        <a:extLst>
+                          <a:ext uri="{28A0092B-C50C-407E-A947-70E740481C1C}">
+                            <a14:useLocalDpi xmlns:a14="http://schemas.microsoft.com/office/drawing/2010/main" val="0"/>
+                          </a:ext>
+                        </a:extLst>
+                      </a:blip>
+                      <a:srcRect/>
+                      <a:stretch>
+                        <a:fillRect/>
+                      </a:stretch>
+                    </p:blipFill>
+                    <p:spPr bwMode="auto">
+                      <a:xfrm>
+                        <a:off x="1600200" y="841375"/>
+                        <a:ext cx="7513638" cy="901700"/>
+                      </a:xfrm>
+                      <a:prstGeom prst="rect">
+                        <a:avLst/>
+                      </a:prstGeom>
+                      <a:noFill/>
+                      <a:extLst>
+                        <a:ext uri="{909E8E84-426E-40DD-AFC4-6F175D3DCCD1}">
+                          <a14:hiddenFill xmlns:a14="http://schemas.microsoft.com/office/drawing/2010/main">
+                            <a:solidFill>
+                              <a:srgbClr val="FFFFFF"/>
+                            </a:solidFill>
+                          </a14:hiddenFill>
+                        </a:ext>
+                      </a:extLst>
+                    </p:spPr>
+                  </p:pic>
+                </p:oleObj>
+              </mc:Fallback>
+            </mc:AlternateContent>
           </a:graphicData>
         </a:graphic>
       </p:graphicFrame>
@@ -4863,9 +5100,59 @@
         </p:xfrm>
         <a:graphic>
           <a:graphicData uri="http://schemas.openxmlformats.org/presentationml/2006/ole">
-            <p:oleObj spid="_x0000_s36868" name="Equation" r:id="rId5" imgW="1218960" imgH="291960" progId="Equation.DSMT4">
-              <p:embed/>
-            </p:oleObj>
+            <mc:AlternateContent xmlns:mc="http://schemas.openxmlformats.org/markup-compatibility/2006">
+              <mc:Choice xmlns:v="urn:schemas-microsoft-com:vml" Requires="v">
+                <p:oleObj spid="_x0000_s36878" name="Equation" r:id="rId7" imgW="1218960" imgH="291960" progId="Equation.DSMT4">
+                  <p:embed/>
+                </p:oleObj>
+              </mc:Choice>
+              <mc:Fallback>
+                <p:oleObj name="Equation" r:id="rId7" imgW="1218960" imgH="291960" progId="Equation.DSMT4">
+                  <p:embed/>
+                  <p:pic>
+                    <p:nvPicPr>
+                      <p:cNvPr id="0" name="Picture 4"/>
+                      <p:cNvPicPr>
+                        <a:picLocks noChangeAspect="1" noChangeArrowheads="1"/>
+                      </p:cNvPicPr>
+                      <p:nvPr/>
+                    </p:nvPicPr>
+                    <p:blipFill>
+                      <a:blip r:embed="rId8">
+                        <a:extLst>
+                          <a:ext uri="{28A0092B-C50C-407E-A947-70E740481C1C}">
+                            <a14:useLocalDpi xmlns:a14="http://schemas.microsoft.com/office/drawing/2010/main" val="0"/>
+                          </a:ext>
+                        </a:extLst>
+                      </a:blip>
+                      <a:srcRect/>
+                      <a:stretch>
+                        <a:fillRect/>
+                      </a:stretch>
+                    </p:blipFill>
+                    <p:spPr bwMode="auto">
+                      <a:xfrm>
+                        <a:off x="3154363" y="4779963"/>
+                        <a:ext cx="2054225" cy="493712"/>
+                      </a:xfrm>
+                      <a:prstGeom prst="rect">
+                        <a:avLst/>
+                      </a:prstGeom>
+                      <a:noFill/>
+                      <a:extLst>
+                        <a:ext uri="{909E8E84-426E-40DD-AFC4-6F175D3DCCD1}">
+                          <a14:hiddenFill xmlns:a14="http://schemas.microsoft.com/office/drawing/2010/main">
+                            <a:solidFill>
+                              <a:srgbClr val="FFFFFF"/>
+                            </a:solidFill>
+                          </a14:hiddenFill>
+                        </a:ext>
+                      </a:extLst>
+                    </p:spPr>
+                  </p:pic>
+                </p:oleObj>
+              </mc:Fallback>
+            </mc:AlternateContent>
           </a:graphicData>
         </a:graphic>
       </p:graphicFrame>
@@ -4883,9 +5170,59 @@
         </p:xfrm>
         <a:graphic>
           <a:graphicData uri="http://schemas.openxmlformats.org/presentationml/2006/ole">
-            <p:oleObj spid="_x0000_s36869" name="Equation" r:id="rId6" imgW="1180800" imgH="291960" progId="Equation.DSMT4">
-              <p:embed/>
-            </p:oleObj>
+            <mc:AlternateContent xmlns:mc="http://schemas.openxmlformats.org/markup-compatibility/2006">
+              <mc:Choice xmlns:v="urn:schemas-microsoft-com:vml" Requires="v">
+                <p:oleObj spid="_x0000_s36879" name="Equation" r:id="rId9" imgW="1180800" imgH="291960" progId="Equation.DSMT4">
+                  <p:embed/>
+                </p:oleObj>
+              </mc:Choice>
+              <mc:Fallback>
+                <p:oleObj name="Equation" r:id="rId9" imgW="1180800" imgH="291960" progId="Equation.DSMT4">
+                  <p:embed/>
+                  <p:pic>
+                    <p:nvPicPr>
+                      <p:cNvPr id="0" name="Picture 5"/>
+                      <p:cNvPicPr>
+                        <a:picLocks noChangeAspect="1" noChangeArrowheads="1"/>
+                      </p:cNvPicPr>
+                      <p:nvPr/>
+                    </p:nvPicPr>
+                    <p:blipFill>
+                      <a:blip r:embed="rId10">
+                        <a:extLst>
+                          <a:ext uri="{28A0092B-C50C-407E-A947-70E740481C1C}">
+                            <a14:useLocalDpi xmlns:a14="http://schemas.microsoft.com/office/drawing/2010/main" val="0"/>
+                          </a:ext>
+                        </a:extLst>
+                      </a:blip>
+                      <a:srcRect/>
+                      <a:stretch>
+                        <a:fillRect/>
+                      </a:stretch>
+                    </p:blipFill>
+                    <p:spPr bwMode="auto">
+                      <a:xfrm>
+                        <a:off x="3155950" y="5410200"/>
+                        <a:ext cx="1989138" cy="493713"/>
+                      </a:xfrm>
+                      <a:prstGeom prst="rect">
+                        <a:avLst/>
+                      </a:prstGeom>
+                      <a:noFill/>
+                      <a:extLst>
+                        <a:ext uri="{909E8E84-426E-40DD-AFC4-6F175D3DCCD1}">
+                          <a14:hiddenFill xmlns:a14="http://schemas.microsoft.com/office/drawing/2010/main">
+                            <a:solidFill>
+                              <a:srgbClr val="FFFFFF"/>
+                            </a:solidFill>
+                          </a14:hiddenFill>
+                        </a:ext>
+                      </a:extLst>
+                    </p:spPr>
+                  </p:pic>
+                </p:oleObj>
+              </mc:Fallback>
+            </mc:AlternateContent>
           </a:graphicData>
         </a:graphic>
       </p:graphicFrame>
@@ -4903,9 +5240,59 @@
         </p:xfrm>
         <a:graphic>
           <a:graphicData uri="http://schemas.openxmlformats.org/presentationml/2006/ole">
-            <p:oleObj spid="_x0000_s36870" name="Equation" r:id="rId7" imgW="1193760" imgH="241200" progId="Equation.DSMT4">
-              <p:embed/>
-            </p:oleObj>
+            <mc:AlternateContent xmlns:mc="http://schemas.openxmlformats.org/markup-compatibility/2006">
+              <mc:Choice xmlns:v="urn:schemas-microsoft-com:vml" Requires="v">
+                <p:oleObj spid="_x0000_s36880" name="Equation" r:id="rId11" imgW="1193760" imgH="241200" progId="Equation.DSMT4">
+                  <p:embed/>
+                </p:oleObj>
+              </mc:Choice>
+              <mc:Fallback>
+                <p:oleObj name="Equation" r:id="rId11" imgW="1193760" imgH="241200" progId="Equation.DSMT4">
+                  <p:embed/>
+                  <p:pic>
+                    <p:nvPicPr>
+                      <p:cNvPr id="0" name="Picture 6"/>
+                      <p:cNvPicPr>
+                        <a:picLocks noChangeAspect="1" noChangeArrowheads="1"/>
+                      </p:cNvPicPr>
+                      <p:nvPr/>
+                    </p:nvPicPr>
+                    <p:blipFill>
+                      <a:blip r:embed="rId12">
+                        <a:extLst>
+                          <a:ext uri="{28A0092B-C50C-407E-A947-70E740481C1C}">
+                            <a14:useLocalDpi xmlns:a14="http://schemas.microsoft.com/office/drawing/2010/main" val="0"/>
+                          </a:ext>
+                        </a:extLst>
+                      </a:blip>
+                      <a:srcRect/>
+                      <a:stretch>
+                        <a:fillRect/>
+                      </a:stretch>
+                    </p:blipFill>
+                    <p:spPr bwMode="auto">
+                      <a:xfrm>
+                        <a:off x="3124200" y="6172200"/>
+                        <a:ext cx="2011362" cy="407987"/>
+                      </a:xfrm>
+                      <a:prstGeom prst="rect">
+                        <a:avLst/>
+                      </a:prstGeom>
+                      <a:noFill/>
+                      <a:extLst>
+                        <a:ext uri="{909E8E84-426E-40DD-AFC4-6F175D3DCCD1}">
+                          <a14:hiddenFill xmlns:a14="http://schemas.microsoft.com/office/drawing/2010/main">
+                            <a:solidFill>
+                              <a:srgbClr val="FFFFFF"/>
+                            </a:solidFill>
+                          </a14:hiddenFill>
+                        </a:ext>
+                      </a:extLst>
+                    </p:spPr>
+                  </p:pic>
+                </p:oleObj>
+              </mc:Fallback>
+            </mc:AlternateContent>
           </a:graphicData>
         </a:graphic>
       </p:graphicFrame>
@@ -5501,9 +5888,59 @@
         </p:xfrm>
         <a:graphic>
           <a:graphicData uri="http://schemas.openxmlformats.org/presentationml/2006/ole">
-            <p:oleObj spid="_x0000_s31749" name="Equation" r:id="rId4" imgW="3695400" imgH="266400" progId="Equation.DSMT4">
-              <p:embed/>
-            </p:oleObj>
+            <mc:AlternateContent xmlns:mc="http://schemas.openxmlformats.org/markup-compatibility/2006">
+              <mc:Choice xmlns:v="urn:schemas-microsoft-com:vml" Requires="v">
+                <p:oleObj spid="_x0000_s31751" name="Equation" r:id="rId4" imgW="3695400" imgH="266400" progId="Equation.DSMT4">
+                  <p:embed/>
+                </p:oleObj>
+              </mc:Choice>
+              <mc:Fallback>
+                <p:oleObj name="Equation" r:id="rId4" imgW="3695400" imgH="266400" progId="Equation.DSMT4">
+                  <p:embed/>
+                  <p:pic>
+                    <p:nvPicPr>
+                      <p:cNvPr id="0" name="Picture 5"/>
+                      <p:cNvPicPr>
+                        <a:picLocks noChangeAspect="1" noChangeArrowheads="1"/>
+                      </p:cNvPicPr>
+                      <p:nvPr/>
+                    </p:nvPicPr>
+                    <p:blipFill>
+                      <a:blip r:embed="rId5">
+                        <a:extLst>
+                          <a:ext uri="{28A0092B-C50C-407E-A947-70E740481C1C}">
+                            <a14:useLocalDpi xmlns:a14="http://schemas.microsoft.com/office/drawing/2010/main" val="0"/>
+                          </a:ext>
+                        </a:extLst>
+                      </a:blip>
+                      <a:srcRect/>
+                      <a:stretch>
+                        <a:fillRect/>
+                      </a:stretch>
+                    </p:blipFill>
+                    <p:spPr bwMode="auto">
+                      <a:xfrm>
+                        <a:off x="1323975" y="1981200"/>
+                        <a:ext cx="6229350" cy="450850"/>
+                      </a:xfrm>
+                      <a:prstGeom prst="rect">
+                        <a:avLst/>
+                      </a:prstGeom>
+                      <a:noFill/>
+                      <a:extLst>
+                        <a:ext uri="{909E8E84-426E-40DD-AFC4-6F175D3DCCD1}">
+                          <a14:hiddenFill xmlns:a14="http://schemas.microsoft.com/office/drawing/2010/main">
+                            <a:solidFill>
+                              <a:srgbClr val="FFFFFF"/>
+                            </a:solidFill>
+                          </a14:hiddenFill>
+                        </a:ext>
+                      </a:extLst>
+                    </p:spPr>
+                  </p:pic>
+                </p:oleObj>
+              </mc:Fallback>
+            </mc:AlternateContent>
           </a:graphicData>
         </a:graphic>
       </p:graphicFrame>
@@ -5975,11 +6412,7 @@
             </a:r>
             <a:r>
               <a:rPr lang="en-US" dirty="0" smtClean="0"/>
-              <a:t>is </a:t>
-            </a:r>
-            <a:r>
-              <a:rPr lang="en-US" dirty="0" smtClean="0"/>
-              <a:t>small, and R is close to 100- I</a:t>
+              <a:t>is small, and R is close to 100- I</a:t>
             </a:r>
             <a:r>
               <a:rPr lang="en-US" baseline="-25000" dirty="0" smtClean="0"/>
@@ -6186,19 +6619,7 @@
             </a:r>
             <a:r>
               <a:rPr lang="en-US" dirty="0" smtClean="0"/>
-              <a:t> </a:t>
-            </a:r>
-            <a:r>
-              <a:rPr lang="en-US" dirty="0" smtClean="0"/>
-              <a:t>is big, </a:t>
-            </a:r>
-            <a:r>
-              <a:rPr lang="en-US" dirty="0" smtClean="0"/>
-              <a:t>Term B </a:t>
-            </a:r>
-            <a:r>
-              <a:rPr lang="en-US" dirty="0" smtClean="0"/>
-              <a:t>will be close to I</a:t>
+              <a:t> is big, Term B will be close to I</a:t>
             </a:r>
             <a:r>
               <a:rPr lang="en-US" baseline="-25000" dirty="0" smtClean="0"/>
@@ -6593,9 +7014,59 @@
         </p:xfrm>
         <a:graphic>
           <a:graphicData uri="http://schemas.openxmlformats.org/presentationml/2006/ole">
-            <p:oleObj spid="_x0000_s34818" name="Equation" r:id="rId4" imgW="3886200" imgH="241200" progId="Equation.DSMT4">
-              <p:embed/>
-            </p:oleObj>
+            <mc:AlternateContent xmlns:mc="http://schemas.openxmlformats.org/markup-compatibility/2006">
+              <mc:Choice xmlns:v="urn:schemas-microsoft-com:vml" Requires="v">
+                <p:oleObj spid="_x0000_s34825" name="Equation" r:id="rId4" imgW="3886200" imgH="241200" progId="Equation.DSMT4">
+                  <p:embed/>
+                </p:oleObj>
+              </mc:Choice>
+              <mc:Fallback>
+                <p:oleObj name="Equation" r:id="rId4" imgW="3886200" imgH="241200" progId="Equation.DSMT4">
+                  <p:embed/>
+                  <p:pic>
+                    <p:nvPicPr>
+                      <p:cNvPr id="0" name="Picture 2"/>
+                      <p:cNvPicPr>
+                        <a:picLocks noChangeAspect="1" noChangeArrowheads="1"/>
+                      </p:cNvPicPr>
+                      <p:nvPr/>
+                    </p:nvPicPr>
+                    <p:blipFill>
+                      <a:blip r:embed="rId5">
+                        <a:extLst>
+                          <a:ext uri="{28A0092B-C50C-407E-A947-70E740481C1C}">
+                            <a14:useLocalDpi xmlns:a14="http://schemas.microsoft.com/office/drawing/2010/main" val="0"/>
+                          </a:ext>
+                        </a:extLst>
+                      </a:blip>
+                      <a:srcRect/>
+                      <a:stretch>
+                        <a:fillRect/>
+                      </a:stretch>
+                    </p:blipFill>
+                    <p:spPr bwMode="auto">
+                      <a:xfrm>
+                        <a:off x="3810000" y="1600200"/>
+                        <a:ext cx="5181600" cy="322751"/>
+                      </a:xfrm>
+                      <a:prstGeom prst="rect">
+                        <a:avLst/>
+                      </a:prstGeom>
+                      <a:noFill/>
+                      <a:extLst>
+                        <a:ext uri="{909E8E84-426E-40DD-AFC4-6F175D3DCCD1}">
+                          <a14:hiddenFill xmlns:a14="http://schemas.microsoft.com/office/drawing/2010/main">
+                            <a:solidFill>
+                              <a:srgbClr val="FFFFFF"/>
+                            </a:solidFill>
+                          </a14:hiddenFill>
+                        </a:ext>
+                      </a:extLst>
+                    </p:spPr>
+                  </p:pic>
+                </p:oleObj>
+              </mc:Fallback>
+            </mc:AlternateContent>
           </a:graphicData>
         </a:graphic>
       </p:graphicFrame>
@@ -6613,9 +7084,59 @@
         </p:xfrm>
         <a:graphic>
           <a:graphicData uri="http://schemas.openxmlformats.org/presentationml/2006/ole">
-            <p:oleObj spid="_x0000_s34819" name="Equation" r:id="rId5" imgW="3644640" imgH="241200" progId="Equation.DSMT4">
-              <p:embed/>
-            </p:oleObj>
+            <mc:AlternateContent xmlns:mc="http://schemas.openxmlformats.org/markup-compatibility/2006">
+              <mc:Choice xmlns:v="urn:schemas-microsoft-com:vml" Requires="v">
+                <p:oleObj spid="_x0000_s34826" name="Equation" r:id="rId6" imgW="3644640" imgH="241200" progId="Equation.DSMT4">
+                  <p:embed/>
+                </p:oleObj>
+              </mc:Choice>
+              <mc:Fallback>
+                <p:oleObj name="Equation" r:id="rId6" imgW="3644640" imgH="241200" progId="Equation.DSMT4">
+                  <p:embed/>
+                  <p:pic>
+                    <p:nvPicPr>
+                      <p:cNvPr id="0" name="Picture 3"/>
+                      <p:cNvPicPr>
+                        <a:picLocks noChangeAspect="1" noChangeArrowheads="1"/>
+                      </p:cNvPicPr>
+                      <p:nvPr/>
+                    </p:nvPicPr>
+                    <p:blipFill>
+                      <a:blip r:embed="rId7">
+                        <a:extLst>
+                          <a:ext uri="{28A0092B-C50C-407E-A947-70E740481C1C}">
+                            <a14:useLocalDpi xmlns:a14="http://schemas.microsoft.com/office/drawing/2010/main" val="0"/>
+                          </a:ext>
+                        </a:extLst>
+                      </a:blip>
+                      <a:srcRect/>
+                      <a:stretch>
+                        <a:fillRect/>
+                      </a:stretch>
+                    </p:blipFill>
+                    <p:spPr bwMode="auto">
+                      <a:xfrm>
+                        <a:off x="3810000" y="2133600"/>
+                        <a:ext cx="4859337" cy="322263"/>
+                      </a:xfrm>
+                      <a:prstGeom prst="rect">
+                        <a:avLst/>
+                      </a:prstGeom>
+                      <a:noFill/>
+                      <a:extLst>
+                        <a:ext uri="{909E8E84-426E-40DD-AFC4-6F175D3DCCD1}">
+                          <a14:hiddenFill xmlns:a14="http://schemas.microsoft.com/office/drawing/2010/main">
+                            <a:solidFill>
+                              <a:srgbClr val="FFFFFF"/>
+                            </a:solidFill>
+                          </a14:hiddenFill>
+                        </a:ext>
+                      </a:extLst>
+                    </p:spPr>
+                  </p:pic>
+                </p:oleObj>
+              </mc:Fallback>
+            </mc:AlternateContent>
           </a:graphicData>
         </a:graphic>
       </p:graphicFrame>
@@ -6633,9 +7154,59 @@
         </p:xfrm>
         <a:graphic>
           <a:graphicData uri="http://schemas.openxmlformats.org/presentationml/2006/ole">
-            <p:oleObj spid="_x0000_s34821" name="Equation" r:id="rId6" imgW="4444920" imgH="393480" progId="Equation.DSMT4">
-              <p:embed/>
-            </p:oleObj>
+            <mc:AlternateContent xmlns:mc="http://schemas.openxmlformats.org/markup-compatibility/2006">
+              <mc:Choice xmlns:v="urn:schemas-microsoft-com:vml" Requires="v">
+                <p:oleObj spid="_x0000_s34827" name="Equation" r:id="rId8" imgW="4444920" imgH="393480" progId="Equation.DSMT4">
+                  <p:embed/>
+                </p:oleObj>
+              </mc:Choice>
+              <mc:Fallback>
+                <p:oleObj name="Equation" r:id="rId8" imgW="4444920" imgH="393480" progId="Equation.DSMT4">
+                  <p:embed/>
+                  <p:pic>
+                    <p:nvPicPr>
+                      <p:cNvPr id="0" name="Picture 5"/>
+                      <p:cNvPicPr>
+                        <a:picLocks noChangeAspect="1" noChangeArrowheads="1"/>
+                      </p:cNvPicPr>
+                      <p:nvPr/>
+                    </p:nvPicPr>
+                    <p:blipFill>
+                      <a:blip r:embed="rId9">
+                        <a:extLst>
+                          <a:ext uri="{28A0092B-C50C-407E-A947-70E740481C1C}">
+                            <a14:useLocalDpi xmlns:a14="http://schemas.microsoft.com/office/drawing/2010/main" val="0"/>
+                          </a:ext>
+                        </a:extLst>
+                      </a:blip>
+                      <a:srcRect/>
+                      <a:stretch>
+                        <a:fillRect/>
+                      </a:stretch>
+                    </p:blipFill>
+                    <p:spPr bwMode="auto">
+                      <a:xfrm>
+                        <a:off x="3429000" y="2514600"/>
+                        <a:ext cx="5926138" cy="525463"/>
+                      </a:xfrm>
+                      <a:prstGeom prst="rect">
+                        <a:avLst/>
+                      </a:prstGeom>
+                      <a:noFill/>
+                      <a:extLst>
+                        <a:ext uri="{909E8E84-426E-40DD-AFC4-6F175D3DCCD1}">
+                          <a14:hiddenFill xmlns:a14="http://schemas.microsoft.com/office/drawing/2010/main">
+                            <a:solidFill>
+                              <a:srgbClr val="FFFFFF"/>
+                            </a:solidFill>
+                          </a14:hiddenFill>
+                        </a:ext>
+                      </a:extLst>
+                    </p:spPr>
+                  </p:pic>
+                </p:oleObj>
+              </mc:Fallback>
+            </mc:AlternateContent>
           </a:graphicData>
         </a:graphic>
       </p:graphicFrame>
@@ -6695,11 +7266,7 @@
           <a:p>
             <a:r>
               <a:rPr lang="en-US" dirty="0" smtClean="0"/>
-              <a:t>Summary of Round II subjective Test </a:t>
-            </a:r>
-            <a:r>
-              <a:rPr lang="en-US" dirty="0" smtClean="0"/>
-              <a:t>(1)</a:t>
+              <a:t>Summary of Round II subjective Test (1)</a:t>
             </a:r>
             <a:endParaRPr lang="en-US" dirty="0"/>
           </a:p>
@@ -6734,8 +7301,24 @@
           </a:p>
           <a:p>
             <a:r>
+              <a:rPr lang="en-US" smtClean="0"/>
+              <a:t>116</a:t>
+            </a:r>
+            <a:r>
+              <a:rPr lang="en-US" altLang="zh-CN"/>
+              <a:t> test</a:t>
+            </a:r>
+            <a:r>
+              <a:rPr lang="en-US" smtClean="0"/>
+              <a:t> </a:t>
+            </a:r>
+            <a:r>
+              <a:rPr lang="en-US" smtClean="0"/>
+              <a:t>videos </a:t>
+            </a:r>
+            <a:r>
               <a:rPr lang="en-US" dirty="0" smtClean="0"/>
-              <a:t>116 test videos are generated:</a:t>
+              <a:t>are generated:</a:t>
             </a:r>
           </a:p>
           <a:p>
@@ -7272,19 +7855,7 @@
           <a:p>
             <a:r>
               <a:rPr lang="en-US" sz="2400" dirty="0" smtClean="0"/>
-              <a:t>At Qualcomm, totally </a:t>
-            </a:r>
-            <a:r>
-              <a:rPr lang="en-US" sz="2400" dirty="0" smtClean="0"/>
-              <a:t>21</a:t>
-            </a:r>
-            <a:r>
-              <a:rPr lang="en-US" sz="2400" dirty="0" smtClean="0"/>
-              <a:t> </a:t>
-            </a:r>
-            <a:r>
-              <a:rPr lang="en-US" sz="2400" dirty="0" smtClean="0"/>
-              <a:t>testers participated (1 outlier). </a:t>
+              <a:t>At Qualcomm, totally 21 testers participated (1 outlier). </a:t>
             </a:r>
           </a:p>
         </p:txBody>
@@ -7325,19 +7896,7 @@
           <a:p>
             <a:r>
               <a:rPr lang="en-US" sz="2000" dirty="0" smtClean="0"/>
-              <a:t>                              </a:t>
-            </a:r>
-            <a:r>
-              <a:rPr lang="en-US" sz="2000" dirty="0" smtClean="0"/>
-              <a:t>ABS </a:t>
-            </a:r>
-            <a:r>
-              <a:rPr lang="en-US" sz="2000" dirty="0" smtClean="0"/>
-              <a:t>{mean(UCSD testers)  - mean(Qualcomm testers}   &lt; </a:t>
-            </a:r>
-            <a:r>
-              <a:rPr lang="en-US" sz="2000" dirty="0" smtClean="0"/>
-              <a:t>5</a:t>
+              <a:t>                              ABS {mean(UCSD testers)  - mean(Qualcomm testers}   &lt; 5</a:t>
             </a:r>
           </a:p>
           <a:p>
@@ -7580,11 +8139,7 @@
           <a:p>
             <a:r>
               <a:rPr lang="en-US" dirty="0" smtClean="0"/>
-              <a:t>Summary of Round II subjective Test </a:t>
-            </a:r>
-            <a:r>
-              <a:rPr lang="en-US" dirty="0" smtClean="0"/>
-              <a:t>(2)</a:t>
+              <a:t>Summary of Round II subjective Test (2)</a:t>
             </a:r>
             <a:endParaRPr lang="en-US" dirty="0"/>
           </a:p>
@@ -9532,9 +10087,59 @@
         </p:xfrm>
         <a:graphic>
           <a:graphicData uri="http://schemas.openxmlformats.org/presentationml/2006/ole">
-            <p:oleObj spid="_x0000_s5122" name="Equation" r:id="rId4" imgW="2908080" imgH="266400" progId="Equation.DSMT4">
-              <p:embed/>
-            </p:oleObj>
+            <mc:AlternateContent xmlns:mc="http://schemas.openxmlformats.org/markup-compatibility/2006">
+              <mc:Choice xmlns:v="urn:schemas-microsoft-com:vml" Requires="v">
+                <p:oleObj spid="_x0000_s5126" name="Equation" r:id="rId4" imgW="2908080" imgH="266400" progId="Equation.DSMT4">
+                  <p:embed/>
+                </p:oleObj>
+              </mc:Choice>
+              <mc:Fallback>
+                <p:oleObj name="Equation" r:id="rId4" imgW="2908080" imgH="266400" progId="Equation.DSMT4">
+                  <p:embed/>
+                  <p:pic>
+                    <p:nvPicPr>
+                      <p:cNvPr id="0" name="Picture 2"/>
+                      <p:cNvPicPr>
+                        <a:picLocks noChangeAspect="1" noChangeArrowheads="1"/>
+                      </p:cNvPicPr>
+                      <p:nvPr/>
+                    </p:nvPicPr>
+                    <p:blipFill>
+                      <a:blip r:embed="rId5">
+                        <a:extLst>
+                          <a:ext uri="{28A0092B-C50C-407E-A947-70E740481C1C}">
+                            <a14:useLocalDpi xmlns:a14="http://schemas.microsoft.com/office/drawing/2010/main" val="0"/>
+                          </a:ext>
+                        </a:extLst>
+                      </a:blip>
+                      <a:srcRect/>
+                      <a:stretch>
+                        <a:fillRect/>
+                      </a:stretch>
+                    </p:blipFill>
+                    <p:spPr bwMode="auto">
+                      <a:xfrm>
+                        <a:off x="609600" y="5562600"/>
+                        <a:ext cx="3322638" cy="400050"/>
+                      </a:xfrm>
+                      <a:prstGeom prst="rect">
+                        <a:avLst/>
+                      </a:prstGeom>
+                      <a:noFill/>
+                      <a:extLst>
+                        <a:ext uri="{909E8E84-426E-40DD-AFC4-6F175D3DCCD1}">
+                          <a14:hiddenFill xmlns:a14="http://schemas.microsoft.com/office/drawing/2010/main">
+                            <a:solidFill>
+                              <a:srgbClr val="FFFFFF"/>
+                            </a:solidFill>
+                          </a14:hiddenFill>
+                        </a:ext>
+                      </a:extLst>
+                    </p:spPr>
+                  </p:pic>
+                </p:oleObj>
+              </mc:Fallback>
+            </mc:AlternateContent>
           </a:graphicData>
         </a:graphic>
       </p:graphicFrame>
@@ -9552,9 +10157,59 @@
         </p:xfrm>
         <a:graphic>
           <a:graphicData uri="http://schemas.openxmlformats.org/presentationml/2006/ole">
-            <p:oleObj spid="_x0000_s5123" name="Equation" r:id="rId5" imgW="2743200" imgH="253800" progId="Equation.DSMT4">
-              <p:embed/>
-            </p:oleObj>
+            <mc:AlternateContent xmlns:mc="http://schemas.openxmlformats.org/markup-compatibility/2006">
+              <mc:Choice xmlns:v="urn:schemas-microsoft-com:vml" Requires="v">
+                <p:oleObj spid="_x0000_s5127" name="Equation" r:id="rId6" imgW="2743200" imgH="253800" progId="Equation.DSMT4">
+                  <p:embed/>
+                </p:oleObj>
+              </mc:Choice>
+              <mc:Fallback>
+                <p:oleObj name="Equation" r:id="rId6" imgW="2743200" imgH="253800" progId="Equation.DSMT4">
+                  <p:embed/>
+                  <p:pic>
+                    <p:nvPicPr>
+                      <p:cNvPr id="0" name="Picture 3"/>
+                      <p:cNvPicPr>
+                        <a:picLocks noChangeAspect="1" noChangeArrowheads="1"/>
+                      </p:cNvPicPr>
+                      <p:nvPr/>
+                    </p:nvPicPr>
+                    <p:blipFill>
+                      <a:blip r:embed="rId7">
+                        <a:extLst>
+                          <a:ext uri="{28A0092B-C50C-407E-A947-70E740481C1C}">
+                            <a14:useLocalDpi xmlns:a14="http://schemas.microsoft.com/office/drawing/2010/main" val="0"/>
+                          </a:ext>
+                        </a:extLst>
+                      </a:blip>
+                      <a:srcRect/>
+                      <a:stretch>
+                        <a:fillRect/>
+                      </a:stretch>
+                    </p:blipFill>
+                    <p:spPr bwMode="auto">
+                      <a:xfrm>
+                        <a:off x="5715000" y="5638800"/>
+                        <a:ext cx="3197169" cy="388937"/>
+                      </a:xfrm>
+                      <a:prstGeom prst="rect">
+                        <a:avLst/>
+                      </a:prstGeom>
+                      <a:noFill/>
+                      <a:extLst>
+                        <a:ext uri="{909E8E84-426E-40DD-AFC4-6F175D3DCCD1}">
+                          <a14:hiddenFill xmlns:a14="http://schemas.microsoft.com/office/drawing/2010/main">
+                            <a:solidFill>
+                              <a:srgbClr val="FFFFFF"/>
+                            </a:solidFill>
+                          </a14:hiddenFill>
+                        </a:ext>
+                      </a:extLst>
+                    </p:spPr>
+                  </p:pic>
+                </p:oleObj>
+              </mc:Fallback>
+            </mc:AlternateContent>
           </a:graphicData>
         </a:graphic>
       </p:graphicFrame>
@@ -30807,9 +31462,82 @@
         </p:xfrm>
         <a:graphic>
           <a:graphicData uri="http://schemas.openxmlformats.org/presentationml/2006/ole">
-            <p:oleObj spid="_x0000_s7170" name="Equation" r:id="rId4" imgW="2882880" imgH="203040" progId="Equation.DSMT4">
-              <p:embed/>
-            </p:oleObj>
+            <mc:AlternateContent xmlns:mc="http://schemas.openxmlformats.org/markup-compatibility/2006">
+              <mc:Choice xmlns:v="urn:schemas-microsoft-com:vml" Requires="v">
+                <p:oleObj spid="_x0000_s7174" name="Equation" r:id="rId4" imgW="2882880" imgH="203040" progId="Equation.DSMT4">
+                  <p:embed/>
+                </p:oleObj>
+              </mc:Choice>
+              <mc:Fallback>
+                <p:oleObj name="Equation" r:id="rId4" imgW="2882880" imgH="203040" progId="Equation.DSMT4">
+                  <p:embed/>
+                  <p:pic>
+                    <p:nvPicPr>
+                      <p:cNvPr id="0" name="Picture 2"/>
+                      <p:cNvPicPr>
+                        <a:picLocks noChangeAspect="1" noChangeArrowheads="1"/>
+                      </p:cNvPicPr>
+                      <p:nvPr/>
+                    </p:nvPicPr>
+                    <p:blipFill>
+                      <a:blip r:embed="rId5">
+                        <a:extLst>
+                          <a:ext uri="{28A0092B-C50C-407E-A947-70E740481C1C}">
+                            <a14:useLocalDpi xmlns:a14="http://schemas.microsoft.com/office/drawing/2010/main" val="0"/>
+                          </a:ext>
+                        </a:extLst>
+                      </a:blip>
+                      <a:srcRect/>
+                      <a:stretch>
+                        <a:fillRect/>
+                      </a:stretch>
+                    </p:blipFill>
+                    <p:spPr bwMode="auto">
+                      <a:xfrm>
+                        <a:off x="1025525" y="3808413"/>
+                        <a:ext cx="6502400" cy="458787"/>
+                      </a:xfrm>
+                      <a:prstGeom prst="rect">
+                        <a:avLst/>
+                      </a:prstGeom>
+                      <a:noFill/>
+                      <a:ln>
+                        <a:noFill/>
+                      </a:ln>
+                      <a:effectLst/>
+                      <a:extLst>
+                        <a:ext uri="{909E8E84-426E-40DD-AFC4-6F175D3DCCD1}">
+                          <a14:hiddenFill xmlns:a14="http://schemas.microsoft.com/office/drawing/2010/main">
+                            <a:solidFill>
+                              <a:schemeClr val="accent1"/>
+                            </a:solidFill>
+                          </a14:hiddenFill>
+                        </a:ext>
+                        <a:ext uri="{91240B29-F687-4F45-9708-019B960494DF}">
+                          <a14:hiddenLine xmlns:a14="http://schemas.microsoft.com/office/drawing/2010/main" w="12700">
+                            <a:solidFill>
+                              <a:schemeClr val="tx1"/>
+                            </a:solidFill>
+                            <a:miter lim="800000"/>
+                            <a:headEnd/>
+                            <a:tailEnd/>
+                          </a14:hiddenLine>
+                        </a:ext>
+                        <a:ext uri="{AF507438-7753-43E0-B8FC-AC1667EBCBE1}">
+                          <a14:hiddenEffects xmlns:a14="http://schemas.microsoft.com/office/drawing/2010/main">
+                            <a:effectLst>
+                              <a:outerShdw dist="35921" dir="2700000" algn="ctr" rotWithShape="0">
+                                <a:schemeClr val="bg2"/>
+                              </a:outerShdw>
+                            </a:effectLst>
+                          </a14:hiddenEffects>
+                        </a:ext>
+                      </a:extLst>
+                    </p:spPr>
+                  </p:pic>
+                </p:oleObj>
+              </mc:Fallback>
+            </mc:AlternateContent>
           </a:graphicData>
         </a:graphic>
       </p:graphicFrame>
@@ -30905,9 +31633,59 @@
         </p:xfrm>
         <a:graphic>
           <a:graphicData uri="http://schemas.openxmlformats.org/presentationml/2006/ole">
-            <p:oleObj spid="_x0000_s7171" name="Equation" r:id="rId5" imgW="4457520" imgH="266400" progId="Equation.DSMT4">
-              <p:embed/>
-            </p:oleObj>
+            <mc:AlternateContent xmlns:mc="http://schemas.openxmlformats.org/markup-compatibility/2006">
+              <mc:Choice xmlns:v="urn:schemas-microsoft-com:vml" Requires="v">
+                <p:oleObj spid="_x0000_s7175" name="Equation" r:id="rId6" imgW="4457520" imgH="266400" progId="Equation.DSMT4">
+                  <p:embed/>
+                </p:oleObj>
+              </mc:Choice>
+              <mc:Fallback>
+                <p:oleObj name="Equation" r:id="rId6" imgW="4457520" imgH="266400" progId="Equation.DSMT4">
+                  <p:embed/>
+                  <p:pic>
+                    <p:nvPicPr>
+                      <p:cNvPr id="0" name="Picture 3"/>
+                      <p:cNvPicPr>
+                        <a:picLocks noChangeAspect="1" noChangeArrowheads="1"/>
+                      </p:cNvPicPr>
+                      <p:nvPr/>
+                    </p:nvPicPr>
+                    <p:blipFill>
+                      <a:blip r:embed="rId7">
+                        <a:extLst>
+                          <a:ext uri="{28A0092B-C50C-407E-A947-70E740481C1C}">
+                            <a14:useLocalDpi xmlns:a14="http://schemas.microsoft.com/office/drawing/2010/main" val="0"/>
+                          </a:ext>
+                        </a:extLst>
+                      </a:blip>
+                      <a:srcRect/>
+                      <a:stretch>
+                        <a:fillRect/>
+                      </a:stretch>
+                    </p:blipFill>
+                    <p:spPr bwMode="auto">
+                      <a:xfrm>
+                        <a:off x="381000" y="4547516"/>
+                        <a:ext cx="7513638" cy="451521"/>
+                      </a:xfrm>
+                      <a:prstGeom prst="rect">
+                        <a:avLst/>
+                      </a:prstGeom>
+                      <a:noFill/>
+                      <a:extLst>
+                        <a:ext uri="{909E8E84-426E-40DD-AFC4-6F175D3DCCD1}">
+                          <a14:hiddenFill xmlns:a14="http://schemas.microsoft.com/office/drawing/2010/main">
+                            <a:solidFill>
+                              <a:srgbClr val="FFFFFF"/>
+                            </a:solidFill>
+                          </a14:hiddenFill>
+                        </a:ext>
+                      </a:extLst>
+                    </p:spPr>
+                  </p:pic>
+                </p:oleObj>
+              </mc:Fallback>
+            </mc:AlternateContent>
           </a:graphicData>
         </a:graphic>
       </p:graphicFrame>
@@ -31881,9 +32659,59 @@
         </p:xfrm>
         <a:graphic>
           <a:graphicData uri="http://schemas.openxmlformats.org/presentationml/2006/ole">
-            <p:oleObj spid="_x0000_s30722" name="Equation" r:id="rId4" imgW="4457520" imgH="266400" progId="Equation.DSMT4">
-              <p:embed/>
-            </p:oleObj>
+            <mc:AlternateContent xmlns:mc="http://schemas.openxmlformats.org/markup-compatibility/2006">
+              <mc:Choice xmlns:v="urn:schemas-microsoft-com:vml" Requires="v">
+                <p:oleObj spid="_x0000_s30724" name="Equation" r:id="rId4" imgW="4457520" imgH="266400" progId="Equation.DSMT4">
+                  <p:embed/>
+                </p:oleObj>
+              </mc:Choice>
+              <mc:Fallback>
+                <p:oleObj name="Equation" r:id="rId4" imgW="4457520" imgH="266400" progId="Equation.DSMT4">
+                  <p:embed/>
+                  <p:pic>
+                    <p:nvPicPr>
+                      <p:cNvPr id="0" name="Picture 2"/>
+                      <p:cNvPicPr>
+                        <a:picLocks noChangeAspect="1" noChangeArrowheads="1"/>
+                      </p:cNvPicPr>
+                      <p:nvPr/>
+                    </p:nvPicPr>
+                    <p:blipFill>
+                      <a:blip r:embed="rId5">
+                        <a:extLst>
+                          <a:ext uri="{28A0092B-C50C-407E-A947-70E740481C1C}">
+                            <a14:useLocalDpi xmlns:a14="http://schemas.microsoft.com/office/drawing/2010/main" val="0"/>
+                          </a:ext>
+                        </a:extLst>
+                      </a:blip>
+                      <a:srcRect/>
+                      <a:stretch>
+                        <a:fillRect/>
+                      </a:stretch>
+                    </p:blipFill>
+                    <p:spPr bwMode="auto">
+                      <a:xfrm>
+                        <a:off x="838200" y="1600200"/>
+                        <a:ext cx="7513638" cy="450850"/>
+                      </a:xfrm>
+                      <a:prstGeom prst="rect">
+                        <a:avLst/>
+                      </a:prstGeom>
+                      <a:noFill/>
+                      <a:extLst>
+                        <a:ext uri="{909E8E84-426E-40DD-AFC4-6F175D3DCCD1}">
+                          <a14:hiddenFill xmlns:a14="http://schemas.microsoft.com/office/drawing/2010/main">
+                            <a:solidFill>
+                              <a:srgbClr val="FFFFFF"/>
+                            </a:solidFill>
+                          </a14:hiddenFill>
+                        </a:ext>
+                      </a:extLst>
+                    </p:spPr>
+                  </p:pic>
+                </p:oleObj>
+              </mc:Fallback>
+            </mc:AlternateContent>
           </a:graphicData>
         </a:graphic>
       </p:graphicFrame>
@@ -31983,9 +32811,59 @@
         </p:xfrm>
         <a:graphic>
           <a:graphicData uri="http://schemas.openxmlformats.org/presentationml/2006/ole">
-            <p:oleObj spid="_x0000_s37890" name="Equation" r:id="rId3" imgW="4457520" imgH="266400" progId="Equation.DSMT4">
-              <p:embed/>
-            </p:oleObj>
+            <mc:AlternateContent xmlns:mc="http://schemas.openxmlformats.org/markup-compatibility/2006">
+              <mc:Choice xmlns:v="urn:schemas-microsoft-com:vml" Requires="v">
+                <p:oleObj spid="_x0000_s37892" name="Equation" r:id="rId3" imgW="4457520" imgH="266400" progId="Equation.DSMT4">
+                  <p:embed/>
+                </p:oleObj>
+              </mc:Choice>
+              <mc:Fallback>
+                <p:oleObj name="Equation" r:id="rId3" imgW="4457520" imgH="266400" progId="Equation.DSMT4">
+                  <p:embed/>
+                  <p:pic>
+                    <p:nvPicPr>
+                      <p:cNvPr id="0" name="Picture 2"/>
+                      <p:cNvPicPr>
+                        <a:picLocks noChangeAspect="1" noChangeArrowheads="1"/>
+                      </p:cNvPicPr>
+                      <p:nvPr/>
+                    </p:nvPicPr>
+                    <p:blipFill>
+                      <a:blip r:embed="rId4">
+                        <a:extLst>
+                          <a:ext uri="{28A0092B-C50C-407E-A947-70E740481C1C}">
+                            <a14:useLocalDpi xmlns:a14="http://schemas.microsoft.com/office/drawing/2010/main" val="0"/>
+                          </a:ext>
+                        </a:extLst>
+                      </a:blip>
+                      <a:srcRect/>
+                      <a:stretch>
+                        <a:fillRect/>
+                      </a:stretch>
+                    </p:blipFill>
+                    <p:spPr bwMode="auto">
+                      <a:xfrm>
+                        <a:off x="762000" y="533400"/>
+                        <a:ext cx="7513638" cy="450850"/>
+                      </a:xfrm>
+                      <a:prstGeom prst="rect">
+                        <a:avLst/>
+                      </a:prstGeom>
+                      <a:noFill/>
+                      <a:extLst>
+                        <a:ext uri="{909E8E84-426E-40DD-AFC4-6F175D3DCCD1}">
+                          <a14:hiddenFill xmlns:a14="http://schemas.microsoft.com/office/drawing/2010/main">
+                            <a:solidFill>
+                              <a:srgbClr val="FFFFFF"/>
+                            </a:solidFill>
+                          </a14:hiddenFill>
+                        </a:ext>
+                      </a:extLst>
+                    </p:spPr>
+                  </p:pic>
+                </p:oleObj>
+              </mc:Fallback>
+            </mc:AlternateContent>
           </a:graphicData>
         </a:graphic>
       </p:graphicFrame>
